--- a/Praktikum_Aufgabenteil_a.pptx
+++ b/Praktikum_Aufgabenteil_a.pptx
@@ -6,6 +6,7 @@
   </p:sldMasterIdLst>
   <p:sldIdLst>
     <p:sldId id="256" r:id="rId3"/>
+    <p:sldId id="257" r:id="rId4"/>
   </p:sldIdLst>
   <p:sldSz cx="12192000" cy="6858000"/>
   <p:notesSz cx="12192000" cy="6858000"/>
@@ -3204,8 +3205,8 @@
         </p:nvSpPr>
         <p:spPr bwMode="auto">
           <a:xfrm flipH="0" flipV="0">
-            <a:off x="1720162" y="1382058"/>
-            <a:ext cx="755425" cy="737720"/>
+            <a:off x="618249" y="672351"/>
+            <a:ext cx="1400733" cy="1372721"/>
           </a:xfrm>
           <a:prstGeom prst="flowChartConnector">
             <a:avLst/>
@@ -3227,17 +3228,30 @@
             <a:schemeClr val="lt1"/>
           </a:fontRef>
         </p:style>
-      </p:sp>
-      <p:sp>
-        <p:nvSpPr>
-          <p:cNvPr id="1878161576" name=""/>
+        <p:txBody>
+          <a:bodyPr/>
+          <a:p>
+            <a:pPr>
+              <a:defRPr/>
+            </a:pPr>
+            <a:r>
+              <a:rPr/>
+              <a:t>Erdarbeiten</a:t>
+            </a:r>
+            <a:endParaRPr/>
+          </a:p>
+        </p:txBody>
+      </p:sp>
+      <p:sp>
+        <p:nvSpPr>
+          <p:cNvPr id="1210001636" name=""/>
           <p:cNvSpPr/>
           <p:nvPr/>
         </p:nvSpPr>
         <p:spPr bwMode="auto">
           <a:xfrm flipH="0" flipV="0">
-            <a:off x="5109941" y="4370293"/>
-            <a:ext cx="755424" cy="737719"/>
+            <a:off x="2784719" y="672351"/>
+            <a:ext cx="1400733" cy="1372720"/>
           </a:xfrm>
           <a:prstGeom prst="flowChartConnector">
             <a:avLst/>
@@ -3259,17 +3273,30 @@
             <a:schemeClr val="lt1"/>
           </a:fontRef>
         </p:style>
-      </p:sp>
-      <p:sp>
-        <p:nvSpPr>
-          <p:cNvPr id="1333390958" name=""/>
+        <p:txBody>
+          <a:bodyPr/>
+          <a:p>
+            <a:pPr>
+              <a:defRPr/>
+            </a:pPr>
+            <a:r>
+              <a:rPr/>
+              <a:t>Bodenplatte gießen</a:t>
+            </a:r>
+            <a:endParaRPr/>
+          </a:p>
+        </p:txBody>
+      </p:sp>
+      <p:sp>
+        <p:nvSpPr>
+          <p:cNvPr id="1467187167" name=""/>
           <p:cNvSpPr/>
           <p:nvPr/>
         </p:nvSpPr>
         <p:spPr bwMode="auto">
           <a:xfrm flipH="0" flipV="0">
-            <a:off x="3074205" y="4286248"/>
-            <a:ext cx="755424" cy="737719"/>
+            <a:off x="5081926" y="672351"/>
+            <a:ext cx="1400733" cy="1372720"/>
           </a:xfrm>
           <a:prstGeom prst="flowChartConnector">
             <a:avLst/>
@@ -3291,17 +3318,40 @@
             <a:schemeClr val="lt1"/>
           </a:fontRef>
         </p:style>
-      </p:sp>
-      <p:sp>
-        <p:nvSpPr>
-          <p:cNvPr id="12606098" name=""/>
+        <p:txBody>
+          <a:bodyPr/>
+          <a:p>
+            <a:pPr>
+              <a:defRPr/>
+            </a:pPr>
+            <a:r>
+              <a:rPr/>
+              <a:t>Rohbau</a:t>
+            </a:r>
+            <a:endParaRPr/>
+          </a:p>
+          <a:p>
+            <a:pPr>
+              <a:defRPr/>
+            </a:pPr>
+            <a:r>
+              <a:rPr/>
+              <a:t>erstellen</a:t>
+            </a:r>
+            <a:endParaRPr/>
+          </a:p>
+        </p:txBody>
+      </p:sp>
+      <p:sp>
+        <p:nvSpPr>
+          <p:cNvPr id="1526783825" name=""/>
           <p:cNvSpPr/>
           <p:nvPr/>
         </p:nvSpPr>
         <p:spPr bwMode="auto">
           <a:xfrm flipH="0" flipV="0">
-            <a:off x="3382367" y="3025587"/>
-            <a:ext cx="755424" cy="737719"/>
+            <a:off x="7472514" y="672351"/>
+            <a:ext cx="1400733" cy="1372720"/>
           </a:xfrm>
           <a:prstGeom prst="flowChartConnector">
             <a:avLst/>
@@ -3323,17 +3373,30 @@
             <a:schemeClr val="lt1"/>
           </a:fontRef>
         </p:style>
-      </p:sp>
-      <p:sp>
-        <p:nvSpPr>
-          <p:cNvPr id="74655796" name=""/>
+        <p:txBody>
+          <a:bodyPr/>
+          <a:p>
+            <a:pPr>
+              <a:defRPr/>
+            </a:pPr>
+            <a:r>
+              <a:rPr/>
+              <a:t>Dachstuhl einrichten</a:t>
+            </a:r>
+            <a:endParaRPr/>
+          </a:p>
+        </p:txBody>
+      </p:sp>
+      <p:sp>
+        <p:nvSpPr>
+          <p:cNvPr id="122837348" name=""/>
           <p:cNvSpPr/>
           <p:nvPr/>
         </p:nvSpPr>
         <p:spPr bwMode="auto">
           <a:xfrm flipH="0" flipV="0">
-            <a:off x="1804205" y="3072278"/>
-            <a:ext cx="755424" cy="737719"/>
+            <a:off x="9685676" y="672351"/>
+            <a:ext cx="1400733" cy="1372720"/>
           </a:xfrm>
           <a:prstGeom prst="flowChartConnector">
             <a:avLst/>
@@ -3355,17 +3418,30 @@
             <a:schemeClr val="lt1"/>
           </a:fontRef>
         </p:style>
-      </p:sp>
-      <p:sp>
-        <p:nvSpPr>
-          <p:cNvPr id="998778894" name=""/>
+        <p:txBody>
+          <a:bodyPr/>
+          <a:p>
+            <a:pPr>
+              <a:defRPr/>
+            </a:pPr>
+            <a:r>
+              <a:rPr/>
+              <a:t>Sanitärarbeiten</a:t>
+            </a:r>
+            <a:endParaRPr/>
+          </a:p>
+        </p:txBody>
+      </p:sp>
+      <p:sp>
+        <p:nvSpPr>
+          <p:cNvPr id="629125936" name=""/>
           <p:cNvSpPr/>
           <p:nvPr/>
         </p:nvSpPr>
         <p:spPr bwMode="auto">
           <a:xfrm flipH="0" flipV="0">
-            <a:off x="6090455" y="1382058"/>
-            <a:ext cx="755424" cy="737719"/>
+            <a:off x="413117" y="3674464"/>
+            <a:ext cx="1400733" cy="1372720"/>
           </a:xfrm>
           <a:prstGeom prst="flowChartConnector">
             <a:avLst/>
@@ -3387,17 +3463,30 @@
             <a:schemeClr val="lt1"/>
           </a:fontRef>
         </p:style>
-      </p:sp>
-      <p:sp>
-        <p:nvSpPr>
-          <p:cNvPr id="485022919" name=""/>
+        <p:txBody>
+          <a:bodyPr/>
+          <a:p>
+            <a:pPr>
+              <a:defRPr/>
+            </a:pPr>
+            <a:r>
+              <a:rPr/>
+              <a:t>Fußbodenheizung</a:t>
+            </a:r>
+            <a:endParaRPr/>
+          </a:p>
+        </p:txBody>
+      </p:sp>
+      <p:sp>
+        <p:nvSpPr>
+          <p:cNvPr id="75550364" name=""/>
           <p:cNvSpPr/>
           <p:nvPr/>
         </p:nvSpPr>
         <p:spPr bwMode="auto">
           <a:xfrm flipH="0" flipV="0">
-            <a:off x="4521632" y="1382058"/>
-            <a:ext cx="755424" cy="737719"/>
+            <a:off x="3363690" y="2745439"/>
+            <a:ext cx="1400733" cy="1372720"/>
           </a:xfrm>
           <a:prstGeom prst="flowChartConnector">
             <a:avLst/>
@@ -3419,17 +3508,30 @@
             <a:schemeClr val="lt1"/>
           </a:fontRef>
         </p:style>
-      </p:sp>
-      <p:sp>
-        <p:nvSpPr>
-          <p:cNvPr id="1494238005" name=""/>
+        <p:txBody>
+          <a:bodyPr/>
+          <a:p>
+            <a:pPr>
+              <a:defRPr/>
+            </a:pPr>
+            <a:r>
+              <a:rPr/>
+              <a:t>Estrich</a:t>
+            </a:r>
+            <a:endParaRPr/>
+          </a:p>
+        </p:txBody>
+      </p:sp>
+      <p:sp>
+        <p:nvSpPr>
+          <p:cNvPr id="29354833" name=""/>
           <p:cNvSpPr/>
           <p:nvPr/>
         </p:nvSpPr>
         <p:spPr bwMode="auto">
           <a:xfrm flipH="0" flipV="0">
-            <a:off x="3074205" y="1382058"/>
-            <a:ext cx="755424" cy="737719"/>
+            <a:off x="6146485" y="2745439"/>
+            <a:ext cx="1400733" cy="1372720"/>
           </a:xfrm>
           <a:prstGeom prst="flowChartConnector">
             <a:avLst/>
@@ -3451,6 +3553,1191 @@
             <a:schemeClr val="lt1"/>
           </a:fontRef>
         </p:style>
+        <p:txBody>
+          <a:bodyPr/>
+          <a:p>
+            <a:pPr>
+              <a:defRPr/>
+            </a:pPr>
+            <a:r>
+              <a:rPr/>
+              <a:t>Elektroarbeiten</a:t>
+            </a:r>
+            <a:endParaRPr/>
+          </a:p>
+        </p:txBody>
+      </p:sp>
+      <p:sp>
+        <p:nvSpPr>
+          <p:cNvPr id="34831483" name=""/>
+          <p:cNvSpPr/>
+          <p:nvPr/>
+        </p:nvSpPr>
+        <p:spPr bwMode="auto">
+          <a:xfrm flipH="0" flipV="0">
+            <a:off x="9060014" y="2745439"/>
+            <a:ext cx="1595867" cy="1372720"/>
+          </a:xfrm>
+          <a:prstGeom prst="flowChartConnector">
+            <a:avLst/>
+          </a:prstGeom>
+        </p:spPr>
+        <p:style>
+          <a:lnRef idx="2">
+            <a:schemeClr val="accent1">
+              <a:shade val="50000"/>
+            </a:schemeClr>
+          </a:lnRef>
+          <a:fillRef idx="1">
+            <a:schemeClr val="accent1"/>
+          </a:fillRef>
+          <a:effectRef idx="0">
+            <a:schemeClr val="accent1"/>
+          </a:effectRef>
+          <a:fontRef idx="minor">
+            <a:schemeClr val="lt1"/>
+          </a:fontRef>
+        </p:style>
+        <p:txBody>
+          <a:bodyPr/>
+          <a:p>
+            <a:pPr>
+              <a:defRPr/>
+            </a:pPr>
+            <a:r>
+              <a:rPr/>
+              <a:t>Fenster und elek. Rollläd.</a:t>
+            </a:r>
+            <a:endParaRPr/>
+          </a:p>
+        </p:txBody>
+      </p:sp>
+      <p:sp>
+        <p:nvSpPr>
+          <p:cNvPr id="1280176104" name=""/>
+          <p:cNvSpPr/>
+          <p:nvPr/>
+        </p:nvSpPr>
+        <p:spPr bwMode="auto">
+          <a:xfrm flipH="0" flipV="0">
+            <a:off x="6146485" y="4706469"/>
+            <a:ext cx="1400733" cy="1372720"/>
+          </a:xfrm>
+          <a:prstGeom prst="flowChartConnector">
+            <a:avLst/>
+          </a:prstGeom>
+        </p:spPr>
+        <p:style>
+          <a:lnRef idx="2">
+            <a:schemeClr val="accent1">
+              <a:shade val="50000"/>
+            </a:schemeClr>
+          </a:lnRef>
+          <a:fillRef idx="1">
+            <a:schemeClr val="accent1"/>
+          </a:fillRef>
+          <a:effectRef idx="0">
+            <a:schemeClr val="accent1"/>
+          </a:effectRef>
+          <a:fontRef idx="minor">
+            <a:schemeClr val="lt1"/>
+          </a:fontRef>
+        </p:style>
+        <p:txBody>
+          <a:bodyPr/>
+          <a:p>
+            <a:pPr>
+              <a:defRPr/>
+            </a:pPr>
+            <a:r>
+              <a:rPr/>
+              <a:t>Malerarbeiten</a:t>
+            </a:r>
+            <a:endParaRPr/>
+          </a:p>
+        </p:txBody>
+      </p:sp>
+      <p:sp>
+        <p:nvSpPr>
+          <p:cNvPr id="825796819" name=""/>
+          <p:cNvSpPr/>
+          <p:nvPr/>
+        </p:nvSpPr>
+        <p:spPr bwMode="auto">
+          <a:xfrm flipH="0" flipV="0">
+            <a:off x="8714499" y="4706469"/>
+            <a:ext cx="1400733" cy="1372720"/>
+          </a:xfrm>
+          <a:prstGeom prst="flowChartConnector">
+            <a:avLst/>
+          </a:prstGeom>
+        </p:spPr>
+        <p:style>
+          <a:lnRef idx="2">
+            <a:schemeClr val="accent1">
+              <a:shade val="50000"/>
+            </a:schemeClr>
+          </a:lnRef>
+          <a:fillRef idx="1">
+            <a:schemeClr val="accent1"/>
+          </a:fillRef>
+          <a:effectRef idx="0">
+            <a:schemeClr val="accent1"/>
+          </a:effectRef>
+          <a:fontRef idx="minor">
+            <a:schemeClr val="lt1"/>
+          </a:fontRef>
+        </p:style>
+        <p:txBody>
+          <a:bodyPr/>
+          <a:p>
+            <a:pPr>
+              <a:defRPr/>
+            </a:pPr>
+            <a:r>
+              <a:rPr/>
+              <a:t>Möbelieren</a:t>
+            </a:r>
+            <a:endParaRPr/>
+          </a:p>
+        </p:txBody>
+      </p:sp>
+      <p:cxnSp>
+        <p:nvCxnSpPr>
+          <p:cNvPr id="0" name=""/>
+          <p:cNvCxnSpPr>
+            <a:cxnSpLocks/>
+            <a:stCxn id="1075807892" idx="6"/>
+            <a:endCxn id="1210001636" idx="2"/>
+          </p:cNvCxnSpPr>
+          <p:nvPr/>
+        </p:nvCxnSpPr>
+        <p:spPr bwMode="auto">
+          <a:xfrm rot="0" flipH="0" flipV="1">
+            <a:off x="2018983" y="1358712"/>
+            <a:ext cx="765735" cy="0"/>
+          </a:xfrm>
+          <a:prstGeom prst="line">
+            <a:avLst/>
+          </a:prstGeom>
+          <a:ln w="38099" cap="flat" cmpd="sng" algn="ctr">
+            <a:solidFill>
+              <a:schemeClr val="accent1">
+                <a:shade val="50000"/>
+              </a:schemeClr>
+            </a:solidFill>
+            <a:prstDash val="solid"/>
+            <a:miter lim="800000"/>
+            <a:tailEnd type="arrow" len="med"/>
+          </a:ln>
+        </p:spPr>
+        <p:style>
+          <a:lnRef idx="1">
+            <a:schemeClr val="accent1">
+              <a:shade val="50000"/>
+            </a:schemeClr>
+          </a:lnRef>
+          <a:fillRef idx="0">
+            <a:schemeClr val="accent1"/>
+          </a:fillRef>
+          <a:effectRef idx="0">
+            <a:schemeClr val="accent1"/>
+          </a:effectRef>
+          <a:fontRef idx="minor">
+            <a:schemeClr val="tx1"/>
+          </a:fontRef>
+        </p:style>
+      </p:cxnSp>
+      <p:cxnSp>
+        <p:nvCxnSpPr>
+          <p:cNvPr id="1395068546" name=""/>
+          <p:cNvCxnSpPr>
+            <a:cxnSpLocks/>
+            <a:stCxn id="1210001636" idx="6"/>
+            <a:endCxn id="1467187167" idx="2"/>
+          </p:cNvCxnSpPr>
+          <p:nvPr/>
+        </p:nvCxnSpPr>
+        <p:spPr bwMode="auto">
+          <a:xfrm rot="0" flipH="0" flipV="0">
+            <a:off x="4185452" y="1358711"/>
+            <a:ext cx="896473" cy="0"/>
+          </a:xfrm>
+          <a:prstGeom prst="line">
+            <a:avLst/>
+          </a:prstGeom>
+          <a:ln w="38099" cap="flat" cmpd="sng" algn="ctr">
+            <a:solidFill>
+              <a:schemeClr val="accent1">
+                <a:shade val="50000"/>
+              </a:schemeClr>
+            </a:solidFill>
+            <a:prstDash val="solid"/>
+            <a:tailEnd type="arrow" len="med"/>
+          </a:ln>
+        </p:spPr>
+        <p:style>
+          <a:lnRef idx="1">
+            <a:schemeClr val="accent1">
+              <a:shade val="50000"/>
+            </a:schemeClr>
+          </a:lnRef>
+          <a:fillRef idx="0">
+            <a:schemeClr val="accent1"/>
+          </a:fillRef>
+          <a:effectRef idx="0">
+            <a:schemeClr val="accent1"/>
+          </a:effectRef>
+          <a:fontRef idx="minor">
+            <a:schemeClr val="tx1"/>
+          </a:fontRef>
+        </p:style>
+      </p:cxnSp>
+      <p:cxnSp>
+        <p:nvCxnSpPr>
+          <p:cNvPr id="902499579" name=""/>
+          <p:cNvCxnSpPr>
+            <a:cxnSpLocks/>
+            <a:stCxn id="629125936" idx="5"/>
+            <a:endCxn id="29354833" idx="3"/>
+          </p:cNvCxnSpPr>
+          <p:nvPr/>
+        </p:nvCxnSpPr>
+        <p:spPr bwMode="auto">
+          <a:xfrm rot="5399978" flipH="1" flipV="1">
+            <a:off x="3515654" y="2010192"/>
+            <a:ext cx="929025" cy="4742899"/>
+          </a:xfrm>
+          <a:prstGeom prst="line">
+            <a:avLst/>
+          </a:prstGeom>
+          <a:ln w="38099" cap="flat" cmpd="sng" algn="ctr">
+            <a:solidFill>
+              <a:schemeClr val="accent1">
+                <a:shade val="50000"/>
+              </a:schemeClr>
+            </a:solidFill>
+            <a:prstDash val="solid"/>
+            <a:tailEnd type="arrow" len="med"/>
+          </a:ln>
+        </p:spPr>
+        <p:style>
+          <a:lnRef idx="1">
+            <a:schemeClr val="accent1">
+              <a:shade val="50000"/>
+            </a:schemeClr>
+          </a:lnRef>
+          <a:fillRef idx="0">
+            <a:schemeClr val="accent1"/>
+          </a:fillRef>
+          <a:effectRef idx="0">
+            <a:schemeClr val="accent1"/>
+          </a:effectRef>
+          <a:fontRef idx="minor">
+            <a:schemeClr val="tx1"/>
+          </a:fontRef>
+        </p:style>
+      </p:cxnSp>
+      <p:cxnSp>
+        <p:nvCxnSpPr>
+          <p:cNvPr id="1323500455" name=""/>
+          <p:cNvCxnSpPr>
+            <a:cxnSpLocks/>
+            <a:endCxn id="1526783825" idx="2"/>
+          </p:cNvCxnSpPr>
+          <p:nvPr/>
+        </p:nvCxnSpPr>
+        <p:spPr bwMode="auto">
+          <a:xfrm rot="0" flipH="0" flipV="1">
+            <a:off x="6482659" y="1358892"/>
+            <a:ext cx="989854" cy="0"/>
+          </a:xfrm>
+          <a:prstGeom prst="line">
+            <a:avLst/>
+          </a:prstGeom>
+          <a:ln w="38099" cap="flat" cmpd="sng" algn="ctr">
+            <a:solidFill>
+              <a:schemeClr val="accent1">
+                <a:shade val="50000"/>
+              </a:schemeClr>
+            </a:solidFill>
+            <a:prstDash val="solid"/>
+            <a:tailEnd type="arrow" len="med"/>
+          </a:ln>
+        </p:spPr>
+        <p:style>
+          <a:lnRef idx="1">
+            <a:schemeClr val="accent1">
+              <a:shade val="50000"/>
+            </a:schemeClr>
+          </a:lnRef>
+          <a:fillRef idx="0">
+            <a:schemeClr val="accent1"/>
+          </a:fillRef>
+          <a:effectRef idx="0">
+            <a:schemeClr val="accent1"/>
+          </a:effectRef>
+          <a:fontRef idx="minor">
+            <a:schemeClr val="tx1"/>
+          </a:fontRef>
+        </p:style>
+      </p:cxnSp>
+      <p:cxnSp>
+        <p:nvCxnSpPr>
+          <p:cNvPr id="2109444641" name=""/>
+          <p:cNvCxnSpPr>
+            <a:cxnSpLocks/>
+            <a:stCxn id="1467187167" idx="3"/>
+            <a:endCxn id="629125936" idx="7"/>
+          </p:cNvCxnSpPr>
+          <p:nvPr/>
+        </p:nvCxnSpPr>
+        <p:spPr bwMode="auto">
+          <a:xfrm rot="5399978" flipH="0" flipV="0">
+            <a:off x="2432161" y="1020597"/>
+            <a:ext cx="2031453" cy="3678341"/>
+          </a:xfrm>
+          <a:prstGeom prst="line">
+            <a:avLst/>
+          </a:prstGeom>
+          <a:ln w="38099" cap="flat" cmpd="sng" algn="ctr">
+            <a:solidFill>
+              <a:schemeClr val="accent1">
+                <a:shade val="50000"/>
+              </a:schemeClr>
+            </a:solidFill>
+            <a:prstDash val="solid"/>
+            <a:tailEnd type="arrow" len="med"/>
+          </a:ln>
+        </p:spPr>
+        <p:style>
+          <a:lnRef idx="1">
+            <a:schemeClr val="accent1">
+              <a:shade val="50000"/>
+            </a:schemeClr>
+          </a:lnRef>
+          <a:fillRef idx="0">
+            <a:schemeClr val="accent1"/>
+          </a:fillRef>
+          <a:effectRef idx="0">
+            <a:schemeClr val="accent1"/>
+          </a:effectRef>
+          <a:fontRef idx="minor">
+            <a:schemeClr val="tx1"/>
+          </a:fontRef>
+        </p:style>
+      </p:cxnSp>
+      <p:cxnSp>
+        <p:nvCxnSpPr>
+          <p:cNvPr id="112949494" name=""/>
+          <p:cNvCxnSpPr>
+            <a:cxnSpLocks/>
+            <a:stCxn id="1526783825" idx="3"/>
+            <a:endCxn id="75550364" idx="7"/>
+          </p:cNvCxnSpPr>
+          <p:nvPr/>
+        </p:nvCxnSpPr>
+        <p:spPr bwMode="auto">
+          <a:xfrm rot="5399978" flipH="0" flipV="0">
+            <a:off x="5567255" y="836078"/>
+            <a:ext cx="1102427" cy="3118355"/>
+          </a:xfrm>
+          <a:prstGeom prst="line">
+            <a:avLst/>
+          </a:prstGeom>
+          <a:ln w="38099" cap="flat" cmpd="sng" algn="ctr">
+            <a:solidFill>
+              <a:schemeClr val="accent1">
+                <a:shade val="50000"/>
+              </a:schemeClr>
+            </a:solidFill>
+            <a:prstDash val="solid"/>
+            <a:tailEnd type="arrow" len="med"/>
+          </a:ln>
+        </p:spPr>
+        <p:style>
+          <a:lnRef idx="1">
+            <a:schemeClr val="accent1">
+              <a:shade val="50000"/>
+            </a:schemeClr>
+          </a:lnRef>
+          <a:fillRef idx="0">
+            <a:schemeClr val="accent1"/>
+          </a:fillRef>
+          <a:effectRef idx="0">
+            <a:schemeClr val="accent1"/>
+          </a:effectRef>
+          <a:fontRef idx="minor">
+            <a:schemeClr val="tx1"/>
+          </a:fontRef>
+        </p:style>
+      </p:cxnSp>
+      <p:cxnSp>
+        <p:nvCxnSpPr>
+          <p:cNvPr id="428857991" name=""/>
+          <p:cNvCxnSpPr>
+            <a:cxnSpLocks/>
+            <a:endCxn id="122837348" idx="2"/>
+          </p:cNvCxnSpPr>
+          <p:nvPr/>
+        </p:nvCxnSpPr>
+        <p:spPr bwMode="auto">
+          <a:xfrm rot="0" flipH="0" flipV="1">
+            <a:off x="8873247" y="1358711"/>
+            <a:ext cx="812428" cy="0"/>
+          </a:xfrm>
+          <a:prstGeom prst="line">
+            <a:avLst/>
+          </a:prstGeom>
+          <a:ln w="38099" cap="flat" cmpd="sng" algn="ctr">
+            <a:solidFill>
+              <a:schemeClr val="accent1">
+                <a:shade val="50000"/>
+              </a:schemeClr>
+            </a:solidFill>
+            <a:prstDash val="solid"/>
+            <a:tailEnd type="arrow" len="med"/>
+          </a:ln>
+        </p:spPr>
+        <p:style>
+          <a:lnRef idx="1">
+            <a:schemeClr val="accent1">
+              <a:shade val="50000"/>
+            </a:schemeClr>
+          </a:lnRef>
+          <a:fillRef idx="0">
+            <a:schemeClr val="accent1"/>
+          </a:fillRef>
+          <a:effectRef idx="0">
+            <a:schemeClr val="accent1"/>
+          </a:effectRef>
+          <a:fontRef idx="minor">
+            <a:schemeClr val="tx1"/>
+          </a:fontRef>
+        </p:style>
+      </p:cxnSp>
+      <p:cxnSp>
+        <p:nvCxnSpPr>
+          <p:cNvPr id="1638337210" name=""/>
+          <p:cNvCxnSpPr>
+            <a:cxnSpLocks/>
+            <a:stCxn id="1526783825" idx="4"/>
+            <a:endCxn id="29354833" idx="7"/>
+          </p:cNvCxnSpPr>
+          <p:nvPr/>
+        </p:nvCxnSpPr>
+        <p:spPr bwMode="auto">
+          <a:xfrm rot="5399978" flipH="0" flipV="0">
+            <a:off x="7306784" y="2080373"/>
+            <a:ext cx="901397" cy="830795"/>
+          </a:xfrm>
+          <a:prstGeom prst="line">
+            <a:avLst/>
+          </a:prstGeom>
+          <a:ln w="38099" cap="flat" cmpd="sng" algn="ctr">
+            <a:solidFill>
+              <a:schemeClr val="accent1">
+                <a:shade val="50000"/>
+              </a:schemeClr>
+            </a:solidFill>
+            <a:prstDash val="solid"/>
+            <a:tailEnd type="arrow" len="med"/>
+          </a:ln>
+        </p:spPr>
+        <p:style>
+          <a:lnRef idx="1">
+            <a:schemeClr val="accent1">
+              <a:shade val="50000"/>
+            </a:schemeClr>
+          </a:lnRef>
+          <a:fillRef idx="0">
+            <a:schemeClr val="accent1"/>
+          </a:fillRef>
+          <a:effectRef idx="0">
+            <a:schemeClr val="accent1"/>
+          </a:effectRef>
+          <a:fontRef idx="minor">
+            <a:schemeClr val="tx1"/>
+          </a:fontRef>
+        </p:style>
+      </p:cxnSp>
+      <p:cxnSp>
+        <p:nvCxnSpPr>
+          <p:cNvPr id="1629285259" name=""/>
+          <p:cNvCxnSpPr>
+            <a:cxnSpLocks/>
+            <a:stCxn id="29354833" idx="6"/>
+            <a:endCxn id="34831483" idx="2"/>
+          </p:cNvCxnSpPr>
+          <p:nvPr/>
+        </p:nvCxnSpPr>
+        <p:spPr bwMode="auto">
+          <a:xfrm rot="0" flipH="0" flipV="1">
+            <a:off x="7547218" y="3431800"/>
+            <a:ext cx="1512796" cy="0"/>
+          </a:xfrm>
+          <a:prstGeom prst="line">
+            <a:avLst/>
+          </a:prstGeom>
+          <a:ln w="38099" cap="flat" cmpd="sng" algn="ctr">
+            <a:solidFill>
+              <a:schemeClr val="accent1">
+                <a:shade val="50000"/>
+              </a:schemeClr>
+            </a:solidFill>
+            <a:prstDash val="solid"/>
+            <a:tailEnd type="arrow" len="med"/>
+          </a:ln>
+        </p:spPr>
+        <p:style>
+          <a:lnRef idx="1">
+            <a:schemeClr val="accent1">
+              <a:shade val="50000"/>
+            </a:schemeClr>
+          </a:lnRef>
+          <a:fillRef idx="0">
+            <a:schemeClr val="accent1"/>
+          </a:fillRef>
+          <a:effectRef idx="0">
+            <a:schemeClr val="accent1"/>
+          </a:effectRef>
+          <a:fontRef idx="minor">
+            <a:schemeClr val="tx1"/>
+          </a:fontRef>
+        </p:style>
+      </p:cxnSp>
+      <p:cxnSp>
+        <p:nvCxnSpPr>
+          <p:cNvPr id="178112893" name=""/>
+          <p:cNvCxnSpPr>
+            <a:cxnSpLocks/>
+            <a:stCxn id="1526783825" idx="5"/>
+            <a:endCxn id="34831483" idx="1"/>
+          </p:cNvCxnSpPr>
+          <p:nvPr/>
+        </p:nvCxnSpPr>
+        <p:spPr bwMode="auto">
+          <a:xfrm rot="5399978" flipH="0" flipV="1">
+            <a:off x="8429705" y="2082451"/>
+            <a:ext cx="1102427" cy="625608"/>
+          </a:xfrm>
+          <a:prstGeom prst="line">
+            <a:avLst/>
+          </a:prstGeom>
+          <a:ln w="38099" cap="flat" cmpd="sng" algn="ctr">
+            <a:solidFill>
+              <a:schemeClr val="accent1">
+                <a:shade val="50000"/>
+              </a:schemeClr>
+            </a:solidFill>
+            <a:prstDash val="solid"/>
+            <a:tailEnd type="arrow" len="med"/>
+          </a:ln>
+        </p:spPr>
+        <p:style>
+          <a:lnRef idx="1">
+            <a:schemeClr val="accent1">
+              <a:shade val="50000"/>
+            </a:schemeClr>
+          </a:lnRef>
+          <a:fillRef idx="0">
+            <a:schemeClr val="accent1"/>
+          </a:fillRef>
+          <a:effectRef idx="0">
+            <a:schemeClr val="accent1"/>
+          </a:effectRef>
+          <a:fontRef idx="minor">
+            <a:schemeClr val="tx1"/>
+          </a:fontRef>
+        </p:style>
+      </p:cxnSp>
+      <p:cxnSp>
+        <p:nvCxnSpPr>
+          <p:cNvPr id="953417397" name=""/>
+          <p:cNvCxnSpPr>
+            <a:cxnSpLocks/>
+            <a:stCxn id="29354833" idx="4"/>
+            <a:endCxn id="1280176104" idx="0"/>
+          </p:cNvCxnSpPr>
+          <p:nvPr/>
+        </p:nvCxnSpPr>
+        <p:spPr bwMode="auto">
+          <a:xfrm rot="5399978" flipH="0" flipV="0">
+            <a:off x="6552697" y="4412314"/>
+            <a:ext cx="588308" cy="0"/>
+          </a:xfrm>
+          <a:prstGeom prst="line">
+            <a:avLst/>
+          </a:prstGeom>
+          <a:ln w="38099" cap="flat" cmpd="sng" algn="ctr">
+            <a:solidFill>
+              <a:schemeClr val="accent1">
+                <a:shade val="50000"/>
+              </a:schemeClr>
+            </a:solidFill>
+            <a:prstDash val="solid"/>
+            <a:tailEnd type="arrow" len="med"/>
+          </a:ln>
+        </p:spPr>
+        <p:style>
+          <a:lnRef idx="1">
+            <a:schemeClr val="accent1">
+              <a:shade val="50000"/>
+            </a:schemeClr>
+          </a:lnRef>
+          <a:fillRef idx="0">
+            <a:schemeClr val="accent1"/>
+          </a:fillRef>
+          <a:effectRef idx="0">
+            <a:schemeClr val="accent1"/>
+          </a:effectRef>
+          <a:fontRef idx="minor">
+            <a:schemeClr val="tx1"/>
+          </a:fontRef>
+        </p:style>
+      </p:cxnSp>
+      <p:cxnSp>
+        <p:nvCxnSpPr>
+          <p:cNvPr id="1482362067" name=""/>
+          <p:cNvCxnSpPr>
+            <a:cxnSpLocks/>
+            <a:stCxn id="1280176104" idx="6"/>
+            <a:endCxn id="825796819" idx="2"/>
+          </p:cNvCxnSpPr>
+          <p:nvPr/>
+        </p:nvCxnSpPr>
+        <p:spPr bwMode="auto">
+          <a:xfrm rot="0" flipH="0" flipV="0">
+            <a:off x="7547218" y="5392829"/>
+            <a:ext cx="1167281" cy="0"/>
+          </a:xfrm>
+          <a:prstGeom prst="line">
+            <a:avLst/>
+          </a:prstGeom>
+          <a:ln w="38099" cap="flat" cmpd="sng" algn="ctr">
+            <a:solidFill>
+              <a:schemeClr val="accent1">
+                <a:shade val="50000"/>
+              </a:schemeClr>
+            </a:solidFill>
+            <a:prstDash val="solid"/>
+            <a:tailEnd type="arrow" len="med"/>
+          </a:ln>
+        </p:spPr>
+        <p:style>
+          <a:lnRef idx="1">
+            <a:schemeClr val="accent1">
+              <a:shade val="50000"/>
+            </a:schemeClr>
+          </a:lnRef>
+          <a:fillRef idx="0">
+            <a:schemeClr val="accent1"/>
+          </a:fillRef>
+          <a:effectRef idx="0">
+            <a:schemeClr val="accent1"/>
+          </a:effectRef>
+          <a:fontRef idx="minor">
+            <a:schemeClr val="tx1"/>
+          </a:fontRef>
+        </p:style>
+      </p:cxnSp>
+      <p:cxnSp>
+        <p:nvCxnSpPr>
+          <p:cNvPr id="471322505" name=""/>
+          <p:cNvCxnSpPr>
+            <a:cxnSpLocks/>
+            <a:stCxn id="75550364" idx="6"/>
+            <a:endCxn id="29354833" idx="2"/>
+          </p:cNvCxnSpPr>
+          <p:nvPr/>
+        </p:nvCxnSpPr>
+        <p:spPr bwMode="auto">
+          <a:xfrm rot="0" flipH="0" flipV="0">
+            <a:off x="4764423" y="3431800"/>
+            <a:ext cx="1382060" cy="0"/>
+          </a:xfrm>
+          <a:prstGeom prst="line">
+            <a:avLst/>
+          </a:prstGeom>
+          <a:ln w="38099" cap="flat" cmpd="sng" algn="ctr">
+            <a:solidFill>
+              <a:schemeClr val="accent1">
+                <a:shade val="50000"/>
+              </a:schemeClr>
+            </a:solidFill>
+            <a:prstDash val="solid"/>
+            <a:tailEnd type="arrow" len="med"/>
+          </a:ln>
+        </p:spPr>
+        <p:style>
+          <a:lnRef idx="1">
+            <a:schemeClr val="accent1">
+              <a:shade val="50000"/>
+            </a:schemeClr>
+          </a:lnRef>
+          <a:fillRef idx="0">
+            <a:schemeClr val="accent1"/>
+          </a:fillRef>
+          <a:effectRef idx="0">
+            <a:schemeClr val="accent1"/>
+          </a:effectRef>
+          <a:fontRef idx="minor">
+            <a:schemeClr val="tx1"/>
+          </a:fontRef>
+        </p:style>
+      </p:cxnSp>
+      <p:cxnSp>
+        <p:nvCxnSpPr>
+          <p:cNvPr id="1576994398" name=""/>
+          <p:cNvCxnSpPr>
+            <a:cxnSpLocks/>
+            <a:stCxn id="953417397" idx="0"/>
+            <a:endCxn id="629125936" idx="4"/>
+          </p:cNvCxnSpPr>
+          <p:nvPr/>
+        </p:nvCxnSpPr>
+        <p:spPr bwMode="auto">
+          <a:xfrm rot="10799990" flipH="0" flipV="1">
+            <a:off x="1113483" y="4118160"/>
+            <a:ext cx="5733367" cy="929025"/>
+          </a:xfrm>
+          <a:prstGeom prst="line">
+            <a:avLst/>
+          </a:prstGeom>
+          <a:ln w="38099" cap="flat" cmpd="sng" algn="ctr">
+            <a:solidFill>
+              <a:schemeClr val="accent1">
+                <a:shade val="50000"/>
+              </a:schemeClr>
+            </a:solidFill>
+            <a:prstDash val="solid"/>
+            <a:tailEnd type="arrow" len="med"/>
+          </a:ln>
+        </p:spPr>
+        <p:style>
+          <a:lnRef idx="1">
+            <a:schemeClr val="accent1">
+              <a:shade val="50000"/>
+            </a:schemeClr>
+          </a:lnRef>
+          <a:fillRef idx="0">
+            <a:schemeClr val="accent1"/>
+          </a:fillRef>
+          <a:effectRef idx="0">
+            <a:schemeClr val="accent1"/>
+          </a:effectRef>
+          <a:fontRef idx="minor">
+            <a:schemeClr val="tx1"/>
+          </a:fontRef>
+        </p:style>
+      </p:cxnSp>
+    </p:spTree>
+  </p:cSld>
+  <p:clrMapOvr>
+    <a:masterClrMapping/>
+  </p:clrMapOvr>
+  <mc:AlternateContent xmlns:mc="http://schemas.openxmlformats.org/markup-compatibility/2006">
+    <mc:Choice xmlns:p14="http://schemas.microsoft.com/office/powerpoint/2010/main" Requires="p14">
+      <p:transition p14:dur="2000" advClick="1"/>
+    </mc:Choice>
+    <mc:Fallback>
+      <p:transition advClick="1"/>
+    </mc:Fallback>
+  </mc:AlternateContent>
+</p:sld>
+</file>
+
+<file path=ppt/slides/slide2.xml><?xml version="1.0" encoding="utf-8"?>
+<p:sld xmlns:a="http://schemas.openxmlformats.org/drawingml/2006/main" xmlns:r="http://schemas.openxmlformats.org/officeDocument/2006/relationships" xmlns:p="http://schemas.openxmlformats.org/presentationml/2006/main" xmlns:m="http://schemas.openxmlformats.org/officeDocument/2006/math" xmlns:w="http://schemas.openxmlformats.org/wordprocessingml/2006/main" showMasterPhAnim="0" show="1">
+  <p:cSld name="">
+    <p:spTree>
+      <p:nvGrpSpPr>
+        <p:cNvPr id="1" name=""/>
+        <p:cNvGrpSpPr/>
+        <p:nvPr/>
+      </p:nvGrpSpPr>
+      <p:grpSpPr bwMode="auto">
+        <a:xfrm>
+          <a:off x="0" y="0"/>
+          <a:ext cx="0" cy="0"/>
+          <a:chOff x="0" y="0"/>
+          <a:chExt cx="0" cy="0"/>
+        </a:xfrm>
+      </p:grpSpPr>
+      <p:sp>
+        <p:nvSpPr>
+          <p:cNvPr id="1440294996" name="Title 1"/>
+          <p:cNvSpPr>
+            <a:spLocks noGrp="1"/>
+          </p:cNvSpPr>
+          <p:nvPr>
+            <p:ph type="title"/>
+          </p:nvPr>
+        </p:nvSpPr>
+        <p:spPr bwMode="auto"/>
+        <p:txBody>
+          <a:bodyPr/>
+          <a:lstStyle/>
+          <a:p>
+            <a:pPr>
+              <a:defRPr/>
+            </a:pPr>
+            <a:r>
+              <a:rPr/>
+              <a:t>Zuordnung Nummer zu Aktivität</a:t>
+            </a:r>
+            <a:endParaRPr/>
+          </a:p>
+        </p:txBody>
+      </p:sp>
+      <p:sp>
+        <p:nvSpPr>
+          <p:cNvPr id="1820479974" name="Content Placeholder 2"/>
+          <p:cNvSpPr>
+            <a:spLocks noGrp="1"/>
+          </p:cNvSpPr>
+          <p:nvPr>
+            <p:ph idx="1"/>
+          </p:nvPr>
+        </p:nvSpPr>
+        <p:spPr bwMode="auto">
+          <a:xfrm flipH="0" flipV="0">
+            <a:off x="838199" y="1825624"/>
+            <a:ext cx="5257800" cy="4351338"/>
+          </a:xfrm>
+        </p:spPr>
+        <p:txBody>
+          <a:bodyPr/>
+          <a:lstStyle/>
+          <a:p>
+            <a:pPr marL="0" indent="0">
+              <a:buFont typeface="Arial"/>
+              <a:buNone/>
+              <a:defRPr/>
+            </a:pPr>
+            <a:r>
+              <a:rPr/>
+              <a:t>0: Erdarbeiten</a:t>
+            </a:r>
+            <a:endParaRPr/>
+          </a:p>
+          <a:p>
+            <a:pPr marL="0" indent="0">
+              <a:buFont typeface="Arial"/>
+              <a:buNone/>
+              <a:defRPr/>
+            </a:pPr>
+            <a:r>
+              <a:rPr/>
+              <a:t>1: Bodenplatte gießen</a:t>
+            </a:r>
+            <a:endParaRPr/>
+          </a:p>
+          <a:p>
+            <a:pPr marL="0" indent="0">
+              <a:buFont typeface="Arial"/>
+              <a:buNone/>
+              <a:defRPr/>
+            </a:pPr>
+            <a:r>
+              <a:rPr/>
+              <a:t>2: Rohbau erstellen</a:t>
+            </a:r>
+            <a:endParaRPr/>
+          </a:p>
+          <a:p>
+            <a:pPr marL="0" indent="0">
+              <a:buFont typeface="Arial"/>
+              <a:buNone/>
+              <a:defRPr/>
+            </a:pPr>
+            <a:r>
+              <a:rPr/>
+              <a:t>3: Dachstuhl einrichten</a:t>
+            </a:r>
+            <a:endParaRPr/>
+          </a:p>
+          <a:p>
+            <a:pPr marL="0" indent="0">
+              <a:buFont typeface="Arial"/>
+              <a:buNone/>
+              <a:defRPr/>
+            </a:pPr>
+            <a:r>
+              <a:rPr/>
+              <a:t>4: Sanitärarbeiten</a:t>
+            </a:r>
+            <a:endParaRPr/>
+          </a:p>
+          <a:p>
+            <a:pPr marL="0" indent="0">
+              <a:buFont typeface="Arial"/>
+              <a:buNone/>
+              <a:defRPr/>
+            </a:pPr>
+            <a:r>
+              <a:rPr/>
+              <a:t>5: Fußbodenheizung</a:t>
+            </a:r>
+            <a:endParaRPr/>
+          </a:p>
+          <a:p>
+            <a:pPr marL="0" indent="0">
+              <a:buFont typeface="Arial"/>
+              <a:buNone/>
+              <a:defRPr/>
+            </a:pPr>
+            <a:r>
+              <a:rPr/>
+              <a:t>6: Estrich</a:t>
+            </a:r>
+            <a:endParaRPr/>
+          </a:p>
+        </p:txBody>
+      </p:sp>
+      <p:sp>
+        <p:nvSpPr>
+          <p:cNvPr id="1859832288" name="Content Placeholder 2"/>
+          <p:cNvSpPr>
+            <a:spLocks noGrp="1"/>
+          </p:cNvSpPr>
+          <p:nvPr/>
+        </p:nvSpPr>
+        <p:spPr bwMode="auto">
+          <a:xfrm flipH="0" flipV="0">
+            <a:off x="6649778" y="1825624"/>
+            <a:ext cx="5005294" cy="4351338"/>
+          </a:xfrm>
+        </p:spPr>
+        <p:txBody>
+          <a:bodyPr vert="horz" lIns="91440" tIns="45720" rIns="91440" bIns="45720" rtlCol="0">
+            <a:normAutofit/>
+          </a:bodyPr>
+          <a:lstStyle>
+            <a:lvl1pPr marL="228600" indent="-228600" algn="l" defTabSz="914400">
+              <a:lnSpc>
+                <a:spcPct val="90000"/>
+              </a:lnSpc>
+              <a:spcBef>
+                <a:spcPts val="999"/>
+              </a:spcBef>
+              <a:buFont typeface="Arial"/>
+              <a:buChar char="•"/>
+              <a:defRPr sz="2800">
+                <a:solidFill>
+                  <a:schemeClr val="tx1"/>
+                </a:solidFill>
+                <a:latin typeface="+mn-lt"/>
+                <a:ea typeface="+mn-ea"/>
+                <a:cs typeface="+mn-cs"/>
+              </a:defRPr>
+            </a:lvl1pPr>
+            <a:lvl2pPr marL="685800" indent="-228600" algn="l" defTabSz="914400">
+              <a:lnSpc>
+                <a:spcPct val="90000"/>
+              </a:lnSpc>
+              <a:spcBef>
+                <a:spcPts val="499"/>
+              </a:spcBef>
+              <a:buFont typeface="Arial"/>
+              <a:buChar char="•"/>
+              <a:defRPr sz="2400">
+                <a:solidFill>
+                  <a:schemeClr val="tx1"/>
+                </a:solidFill>
+                <a:latin typeface="+mn-lt"/>
+                <a:ea typeface="+mn-ea"/>
+                <a:cs typeface="+mn-cs"/>
+              </a:defRPr>
+            </a:lvl2pPr>
+            <a:lvl3pPr marL="1143000" indent="-228600" algn="l" defTabSz="914400">
+              <a:lnSpc>
+                <a:spcPct val="90000"/>
+              </a:lnSpc>
+              <a:spcBef>
+                <a:spcPts val="499"/>
+              </a:spcBef>
+              <a:buFont typeface="Arial"/>
+              <a:buChar char="•"/>
+              <a:defRPr sz="2000">
+                <a:solidFill>
+                  <a:schemeClr val="tx1"/>
+                </a:solidFill>
+                <a:latin typeface="+mn-lt"/>
+                <a:ea typeface="+mn-ea"/>
+                <a:cs typeface="+mn-cs"/>
+              </a:defRPr>
+            </a:lvl3pPr>
+            <a:lvl4pPr marL="1600200" indent="-228600" algn="l" defTabSz="914400">
+              <a:lnSpc>
+                <a:spcPct val="90000"/>
+              </a:lnSpc>
+              <a:spcBef>
+                <a:spcPts val="499"/>
+              </a:spcBef>
+              <a:buFont typeface="Arial"/>
+              <a:buChar char="•"/>
+              <a:defRPr sz="1800">
+                <a:solidFill>
+                  <a:schemeClr val="tx1"/>
+                </a:solidFill>
+                <a:latin typeface="+mn-lt"/>
+                <a:ea typeface="+mn-ea"/>
+                <a:cs typeface="+mn-cs"/>
+              </a:defRPr>
+            </a:lvl4pPr>
+            <a:lvl5pPr marL="2057400" indent="-228600" algn="l" defTabSz="914400">
+              <a:lnSpc>
+                <a:spcPct val="90000"/>
+              </a:lnSpc>
+              <a:spcBef>
+                <a:spcPts val="499"/>
+              </a:spcBef>
+              <a:buFont typeface="Arial"/>
+              <a:buChar char="•"/>
+              <a:defRPr sz="1800">
+                <a:solidFill>
+                  <a:schemeClr val="tx1"/>
+                </a:solidFill>
+                <a:latin typeface="+mn-lt"/>
+                <a:ea typeface="+mn-ea"/>
+                <a:cs typeface="+mn-cs"/>
+              </a:defRPr>
+            </a:lvl5pPr>
+            <a:lvl6pPr marL="2514599" indent="-228600" algn="l" defTabSz="914400">
+              <a:lnSpc>
+                <a:spcPct val="90000"/>
+              </a:lnSpc>
+              <a:spcBef>
+                <a:spcPts val="499"/>
+              </a:spcBef>
+              <a:buFont typeface="Arial"/>
+              <a:buChar char="•"/>
+              <a:defRPr sz="1800">
+                <a:solidFill>
+                  <a:schemeClr val="tx1"/>
+                </a:solidFill>
+                <a:latin typeface="+mn-lt"/>
+                <a:ea typeface="+mn-ea"/>
+                <a:cs typeface="+mn-cs"/>
+              </a:defRPr>
+            </a:lvl6pPr>
+            <a:lvl7pPr marL="2971800" indent="-228600" algn="l" defTabSz="914400">
+              <a:lnSpc>
+                <a:spcPct val="90000"/>
+              </a:lnSpc>
+              <a:spcBef>
+                <a:spcPts val="499"/>
+              </a:spcBef>
+              <a:buFont typeface="Arial"/>
+              <a:buChar char="•"/>
+              <a:defRPr sz="1800">
+                <a:solidFill>
+                  <a:schemeClr val="tx1"/>
+                </a:solidFill>
+                <a:latin typeface="+mn-lt"/>
+                <a:ea typeface="+mn-ea"/>
+                <a:cs typeface="+mn-cs"/>
+              </a:defRPr>
+            </a:lvl7pPr>
+            <a:lvl8pPr marL="3429000" indent="-228600" algn="l" defTabSz="914400">
+              <a:lnSpc>
+                <a:spcPct val="90000"/>
+              </a:lnSpc>
+              <a:spcBef>
+                <a:spcPts val="499"/>
+              </a:spcBef>
+              <a:buFont typeface="Arial"/>
+              <a:buChar char="•"/>
+              <a:defRPr sz="1800">
+                <a:solidFill>
+                  <a:schemeClr val="tx1"/>
+                </a:solidFill>
+                <a:latin typeface="+mn-lt"/>
+                <a:ea typeface="+mn-ea"/>
+                <a:cs typeface="+mn-cs"/>
+              </a:defRPr>
+            </a:lvl8pPr>
+            <a:lvl9pPr marL="3886200" indent="-228600" algn="l" defTabSz="914400">
+              <a:lnSpc>
+                <a:spcPct val="90000"/>
+              </a:lnSpc>
+              <a:spcBef>
+                <a:spcPts val="499"/>
+              </a:spcBef>
+              <a:buFont typeface="Arial"/>
+              <a:buChar char="•"/>
+              <a:defRPr sz="1800">
+                <a:solidFill>
+                  <a:schemeClr val="tx1"/>
+                </a:solidFill>
+                <a:latin typeface="+mn-lt"/>
+                <a:ea typeface="+mn-ea"/>
+                <a:cs typeface="+mn-cs"/>
+              </a:defRPr>
+            </a:lvl9pPr>
+          </a:lstStyle>
+          <a:p>
+            <a:pPr marL="0" indent="0">
+              <a:buFont typeface="Arial"/>
+              <a:buNone/>
+              <a:defRPr/>
+            </a:pPr>
+            <a:r>
+              <a:rPr/>
+              <a:t>7:</a:t>
+            </a:r>
+            <a:r>
+              <a:rPr/>
+              <a:t> Elektroarbeiten</a:t>
+            </a:r>
+            <a:endParaRPr/>
+          </a:p>
+          <a:p>
+            <a:pPr marL="0" indent="0">
+              <a:buFont typeface="Arial"/>
+              <a:buNone/>
+              <a:defRPr/>
+            </a:pPr>
+            <a:r>
+              <a:rPr/>
+              <a:t>8:</a:t>
+            </a:r>
+            <a:r>
+              <a:rPr/>
+              <a:t> Fenster und Rolläden</a:t>
+            </a:r>
+            <a:endParaRPr/>
+          </a:p>
+          <a:p>
+            <a:pPr marL="0" indent="0">
+              <a:buFont typeface="Arial"/>
+              <a:buNone/>
+              <a:defRPr/>
+            </a:pPr>
+            <a:r>
+              <a:rPr/>
+              <a:t>9:</a:t>
+            </a:r>
+            <a:r>
+              <a:rPr/>
+              <a:t> Malerarbeiten</a:t>
+            </a:r>
+            <a:endParaRPr/>
+          </a:p>
+          <a:p>
+            <a:pPr marL="0" indent="0">
+              <a:buFont typeface="Arial"/>
+              <a:buNone/>
+              <a:defRPr/>
+            </a:pPr>
+            <a:r>
+              <a:rPr/>
+              <a:t>10: Möbelieren</a:t>
+            </a:r>
+            <a:endParaRPr/>
+          </a:p>
+        </p:txBody>
       </p:sp>
     </p:spTree>
   </p:cSld>

--- a/Praktikum_Aufgabenteil_a.pptx
+++ b/Praktikum_Aufgabenteil_a.pptx
@@ -3395,7 +3395,7 @@
         </p:nvSpPr>
         <p:spPr bwMode="auto">
           <a:xfrm flipH="0" flipV="0">
-            <a:off x="9685676" y="672351"/>
+            <a:off x="9685675" y="672351"/>
             <a:ext cx="1400733" cy="1372720"/>
           </a:xfrm>
           <a:prstGeom prst="flowChartConnector">
@@ -3804,7 +3804,7 @@
           <p:nvPr/>
         </p:nvCxnSpPr>
         <p:spPr bwMode="auto">
-          <a:xfrm rot="5399978" flipH="1" flipV="1">
+          <a:xfrm rot="5399977" flipH="1" flipV="1">
             <a:off x="3515654" y="2010192"/>
             <a:ext cx="929025" cy="4742899"/>
           </a:xfrm>
@@ -3893,7 +3893,7 @@
           <p:nvPr/>
         </p:nvCxnSpPr>
         <p:spPr bwMode="auto">
-          <a:xfrm rot="5399978" flipH="0" flipV="0">
+          <a:xfrm rot="5399977" flipH="0" flipV="0">
             <a:off x="2432161" y="1020597"/>
             <a:ext cx="2031453" cy="3678341"/>
           </a:xfrm>
@@ -3938,7 +3938,7 @@
           <p:nvPr/>
         </p:nvCxnSpPr>
         <p:spPr bwMode="auto">
-          <a:xfrm rot="5399978" flipH="0" flipV="0">
+          <a:xfrm rot="5399977" flipH="0" flipV="0">
             <a:off x="5567255" y="836078"/>
             <a:ext cx="1102427" cy="3118355"/>
           </a:xfrm>
@@ -4027,7 +4027,7 @@
           <p:nvPr/>
         </p:nvCxnSpPr>
         <p:spPr bwMode="auto">
-          <a:xfrm rot="5399978" flipH="0" flipV="0">
+          <a:xfrm rot="5399977" flipH="0" flipV="0">
             <a:off x="7306784" y="2080373"/>
             <a:ext cx="901397" cy="830795"/>
           </a:xfrm>
@@ -4117,7 +4117,7 @@
           <p:nvPr/>
         </p:nvCxnSpPr>
         <p:spPr bwMode="auto">
-          <a:xfrm rot="5399978" flipH="0" flipV="1">
+          <a:xfrm rot="5399977" flipH="0" flipV="1">
             <a:off x="8429705" y="2082451"/>
             <a:ext cx="1102427" cy="625608"/>
           </a:xfrm>
@@ -4162,7 +4162,7 @@
           <p:nvPr/>
         </p:nvCxnSpPr>
         <p:spPr bwMode="auto">
-          <a:xfrm rot="5399978" flipH="0" flipV="0">
+          <a:xfrm rot="5399977" flipH="0" flipV="0">
             <a:off x="6552697" y="4412314"/>
             <a:ext cx="588308" cy="0"/>
           </a:xfrm>
@@ -4208,7 +4208,7 @@
         </p:nvCxnSpPr>
         <p:spPr bwMode="auto">
           <a:xfrm rot="0" flipH="0" flipV="0">
-            <a:off x="7547218" y="5392829"/>
+            <a:off x="7547218" y="5392828"/>
             <a:ext cx="1167281" cy="0"/>
           </a:xfrm>
           <a:prstGeom prst="line">
@@ -4297,9 +4297,54 @@
           <p:nvPr/>
         </p:nvCxnSpPr>
         <p:spPr bwMode="auto">
-          <a:xfrm rot="10799990" flipH="0" flipV="1">
+          <a:xfrm rot="10799989" flipH="0" flipV="1">
             <a:off x="1113483" y="4118160"/>
             <a:ext cx="5733367" cy="929025"/>
+          </a:xfrm>
+          <a:prstGeom prst="line">
+            <a:avLst/>
+          </a:prstGeom>
+          <a:ln w="38099" cap="flat" cmpd="sng" algn="ctr">
+            <a:solidFill>
+              <a:schemeClr val="accent1">
+                <a:shade val="50000"/>
+              </a:schemeClr>
+            </a:solidFill>
+            <a:prstDash val="solid"/>
+            <a:tailEnd type="arrow" len="med"/>
+          </a:ln>
+        </p:spPr>
+        <p:style>
+          <a:lnRef idx="1">
+            <a:schemeClr val="accent1">
+              <a:shade val="50000"/>
+            </a:schemeClr>
+          </a:lnRef>
+          <a:fillRef idx="0">
+            <a:schemeClr val="accent1"/>
+          </a:fillRef>
+          <a:effectRef idx="0">
+            <a:schemeClr val="accent1"/>
+          </a:effectRef>
+          <a:fontRef idx="minor">
+            <a:schemeClr val="tx1"/>
+          </a:fontRef>
+        </p:style>
+      </p:cxnSp>
+      <p:cxnSp>
+        <p:nvCxnSpPr>
+          <p:cNvPr id="409039000" name=""/>
+          <p:cNvCxnSpPr>
+            <a:cxnSpLocks/>
+            <a:stCxn id="629125936" idx="6"/>
+            <a:endCxn id="75550364" idx="2"/>
+          </p:cNvCxnSpPr>
+          <p:nvPr/>
+        </p:nvCxnSpPr>
+        <p:spPr bwMode="auto">
+          <a:xfrm rot="0" flipH="0" flipV="1">
+            <a:off x="1813849" y="3431799"/>
+            <a:ext cx="1549839" cy="929024"/>
           </a:xfrm>
           <a:prstGeom prst="line">
             <a:avLst/>
@@ -4402,7 +4447,7 @@
         </p:nvSpPr>
         <p:spPr bwMode="auto">
           <a:xfrm flipH="0" flipV="0">
-            <a:off x="838199" y="1825624"/>
+            <a:off x="838198" y="1825624"/>
             <a:ext cx="5257800" cy="4351338"/>
           </a:xfrm>
         </p:spPr>

--- a/Praktikum_Aufgabenteil_a.pptx
+++ b/Praktikum_Aufgabenteil_a.pptx
@@ -3795,51 +3795,6 @@
       </p:cxnSp>
       <p:cxnSp>
         <p:nvCxnSpPr>
-          <p:cNvPr id="902499579" name=""/>
-          <p:cNvCxnSpPr>
-            <a:cxnSpLocks/>
-            <a:stCxn id="629125936" idx="5"/>
-            <a:endCxn id="29354833" idx="3"/>
-          </p:cNvCxnSpPr>
-          <p:nvPr/>
-        </p:nvCxnSpPr>
-        <p:spPr bwMode="auto">
-          <a:xfrm rot="5399977" flipH="1" flipV="1">
-            <a:off x="3515654" y="2010192"/>
-            <a:ext cx="929025" cy="4742899"/>
-          </a:xfrm>
-          <a:prstGeom prst="line">
-            <a:avLst/>
-          </a:prstGeom>
-          <a:ln w="38099" cap="flat" cmpd="sng" algn="ctr">
-            <a:solidFill>
-              <a:schemeClr val="accent1">
-                <a:shade val="50000"/>
-              </a:schemeClr>
-            </a:solidFill>
-            <a:prstDash val="solid"/>
-            <a:tailEnd type="arrow" len="med"/>
-          </a:ln>
-        </p:spPr>
-        <p:style>
-          <a:lnRef idx="1">
-            <a:schemeClr val="accent1">
-              <a:shade val="50000"/>
-            </a:schemeClr>
-          </a:lnRef>
-          <a:fillRef idx="0">
-            <a:schemeClr val="accent1"/>
-          </a:fillRef>
-          <a:effectRef idx="0">
-            <a:schemeClr val="accent1"/>
-          </a:effectRef>
-          <a:fontRef idx="minor">
-            <a:schemeClr val="tx1"/>
-          </a:fontRef>
-        </p:style>
-      </p:cxnSp>
-      <p:cxnSp>
-        <p:nvCxnSpPr>
           <p:cNvPr id="1323500455" name=""/>
           <p:cNvCxnSpPr>
             <a:cxnSpLocks/>
@@ -3893,7 +3848,7 @@
           <p:nvPr/>
         </p:nvCxnSpPr>
         <p:spPr bwMode="auto">
-          <a:xfrm rot="5399977" flipH="0" flipV="0">
+          <a:xfrm rot="5399976" flipH="0" flipV="0">
             <a:off x="2432161" y="1020597"/>
             <a:ext cx="2031453" cy="3678341"/>
           </a:xfrm>
@@ -3938,7 +3893,7 @@
           <p:nvPr/>
         </p:nvCxnSpPr>
         <p:spPr bwMode="auto">
-          <a:xfrm rot="5399977" flipH="0" flipV="0">
+          <a:xfrm rot="5399976" flipH="0" flipV="0">
             <a:off x="5567255" y="836078"/>
             <a:ext cx="1102427" cy="3118355"/>
           </a:xfrm>
@@ -4027,7 +3982,7 @@
           <p:nvPr/>
         </p:nvCxnSpPr>
         <p:spPr bwMode="auto">
-          <a:xfrm rot="5399977" flipH="0" flipV="0">
+          <a:xfrm rot="5399976" flipH="0" flipV="0">
             <a:off x="7306784" y="2080373"/>
             <a:ext cx="901397" cy="830795"/>
           </a:xfrm>
@@ -4117,7 +4072,7 @@
           <p:nvPr/>
         </p:nvCxnSpPr>
         <p:spPr bwMode="auto">
-          <a:xfrm rot="5399977" flipH="0" flipV="1">
+          <a:xfrm rot="5399976" flipH="0" flipV="1">
             <a:off x="8429705" y="2082451"/>
             <a:ext cx="1102427" cy="625608"/>
           </a:xfrm>
@@ -4162,7 +4117,7 @@
           <p:nvPr/>
         </p:nvCxnSpPr>
         <p:spPr bwMode="auto">
-          <a:xfrm rot="5399977" flipH="0" flipV="0">
+          <a:xfrm rot="5399976" flipH="0" flipV="0">
             <a:off x="6552697" y="4412314"/>
             <a:ext cx="588308" cy="0"/>
           </a:xfrm>
